--- a/presentation/Analysis_of_Police_Recorded_Data_Ibrahim_.pptx
+++ b/presentation/Analysis_of_Police_Recorded_Data_Ibrahim_.pptx
@@ -18634,7 +18634,7 @@
         <p:spPr>
           <a:xfrm>
             <a:off x="0" y="0"/>
-            <a:ext cx="10653741" cy="3395134"/>
+            <a:ext cx="12192000" cy="3395134"/>
           </a:xfrm>
         </p:spPr>
         <p:txBody>
@@ -18683,12 +18683,14 @@
         </p:nvSpPr>
         <p:spPr>
           <a:xfrm>
-            <a:off x="8476025" y="5231071"/>
-            <a:ext cx="3597442" cy="1463040"/>
+            <a:off x="8594558" y="5925338"/>
+            <a:ext cx="3597442" cy="847996"/>
           </a:xfrm>
         </p:spPr>
         <p:txBody>
-          <a:bodyPr/>
+          <a:bodyPr>
+            <a:normAutofit fontScale="92500" lnSpcReduction="20000"/>
+          </a:bodyPr>
           <a:lstStyle/>
           <a:p>
             <a:r>
